--- a/个人.pptx
+++ b/个人.pptx
@@ -7,6 +7,7 @@
   <p:sldIdLst>
     <p:sldId id="256" r:id="rId3"/>
     <p:sldId id="257" r:id="rId4"/>
+    <p:sldId id="258" r:id="rId5"/>
   </p:sldIdLst>
   <p:sldSz cx="12192000" cy="6858000"/>
   <p:notesSz cx="6858000" cy="9144000"/>
@@ -2991,7 +2992,7 @@
           <a:p>
             <a:r>
               <a:rPr lang="zh-CN" altLang="en-US"/>
-              <a:t>上海洋山仓库</a:t>
+              <a:t>项目：上海洋山仓库</a:t>
             </a:r>
             <a:endParaRPr lang="zh-CN" altLang="en-US"/>
           </a:p>
@@ -3045,6 +3046,68 @@
           </a:p>
         </p:txBody>
       </p:sp>
+    </p:spTree>
+  </p:cSld>
+  <p:clrMapOvr>
+    <a:masterClrMapping/>
+  </p:clrMapOvr>
+</p:sld>
+</file>
+
+<file path=ppt/slides/slide3.xml><?xml version="1.0" encoding="utf-8"?>
+<p:sld xmlns:a="http://schemas.openxmlformats.org/drawingml/2006/main" xmlns:r="http://schemas.openxmlformats.org/officeDocument/2006/relationships" xmlns:p="http://schemas.openxmlformats.org/presentationml/2006/main">
+  <p:cSld>
+    <p:spTree>
+      <p:nvGrpSpPr>
+        <p:cNvPr id="1" name=""/>
+        <p:cNvGrpSpPr/>
+        <p:nvPr/>
+      </p:nvGrpSpPr>
+      <p:grpSpPr/>
+      <p:sp>
+        <p:nvSpPr>
+          <p:cNvPr id="2" name="标题 1"/>
+          <p:cNvSpPr>
+            <a:spLocks noGrp="1"/>
+          </p:cNvSpPr>
+          <p:nvPr>
+            <p:ph type="title"/>
+          </p:nvPr>
+        </p:nvSpPr>
+        <p:spPr/>
+        <p:txBody>
+          <a:bodyPr/>
+          <a:p>
+            <a:endParaRPr lang="zh-CN" altLang="en-US"/>
+          </a:p>
+        </p:txBody>
+      </p:sp>
+      <p:pic>
+        <p:nvPicPr>
+          <p:cNvPr id="4" name="内容占位符 3"/>
+          <p:cNvPicPr>
+            <a:picLocks noChangeAspect="1"/>
+          </p:cNvPicPr>
+          <p:nvPr>
+            <p:ph idx="1"/>
+          </p:nvPr>
+        </p:nvPicPr>
+        <p:blipFill>
+          <a:blip r:embed="rId1"/>
+          <a:stretch>
+            <a:fillRect/>
+          </a:stretch>
+        </p:blipFill>
+        <p:spPr>
+          <a:xfrm>
+            <a:off x="2289810" y="1825625"/>
+            <a:ext cx="7611745" cy="4351655"/>
+          </a:xfrm>
+          <a:prstGeom prst="rect">
+            <a:avLst/>
+          </a:prstGeom>
+        </p:spPr>
+      </p:pic>
     </p:spTree>
   </p:cSld>
   <p:clrMapOvr>
